--- a/Representación conceptual.pptx
+++ b/Representación conceptual.pptx
@@ -261,7 +261,7 @@
           <a:p>
             <a:fld id="{ED287D94-8654-4172-83DF-E4F564B435B0}" type="datetimeFigureOut">
               <a:rPr lang="es-MX" smtClean="0"/>
-              <a:t>02/07/2023</a:t>
+              <a:t>17/07/2023</a:t>
             </a:fld>
             <a:endParaRPr lang="es-MX"/>
           </a:p>
@@ -461,7 +461,7 @@
           <a:p>
             <a:fld id="{ED287D94-8654-4172-83DF-E4F564B435B0}" type="datetimeFigureOut">
               <a:rPr lang="es-MX" smtClean="0"/>
-              <a:t>02/07/2023</a:t>
+              <a:t>17/07/2023</a:t>
             </a:fld>
             <a:endParaRPr lang="es-MX"/>
           </a:p>
@@ -671,7 +671,7 @@
           <a:p>
             <a:fld id="{ED287D94-8654-4172-83DF-E4F564B435B0}" type="datetimeFigureOut">
               <a:rPr lang="es-MX" smtClean="0"/>
-              <a:t>02/07/2023</a:t>
+              <a:t>17/07/2023</a:t>
             </a:fld>
             <a:endParaRPr lang="es-MX"/>
           </a:p>
@@ -871,7 +871,7 @@
           <a:p>
             <a:fld id="{ED287D94-8654-4172-83DF-E4F564B435B0}" type="datetimeFigureOut">
               <a:rPr lang="es-MX" smtClean="0"/>
-              <a:t>02/07/2023</a:t>
+              <a:t>17/07/2023</a:t>
             </a:fld>
             <a:endParaRPr lang="es-MX"/>
           </a:p>
@@ -1147,7 +1147,7 @@
           <a:p>
             <a:fld id="{ED287D94-8654-4172-83DF-E4F564B435B0}" type="datetimeFigureOut">
               <a:rPr lang="es-MX" smtClean="0"/>
-              <a:t>02/07/2023</a:t>
+              <a:t>17/07/2023</a:t>
             </a:fld>
             <a:endParaRPr lang="es-MX"/>
           </a:p>
@@ -1415,7 +1415,7 @@
           <a:p>
             <a:fld id="{ED287D94-8654-4172-83DF-E4F564B435B0}" type="datetimeFigureOut">
               <a:rPr lang="es-MX" smtClean="0"/>
-              <a:t>02/07/2023</a:t>
+              <a:t>17/07/2023</a:t>
             </a:fld>
             <a:endParaRPr lang="es-MX"/>
           </a:p>
@@ -1830,7 +1830,7 @@
           <a:p>
             <a:fld id="{ED287D94-8654-4172-83DF-E4F564B435B0}" type="datetimeFigureOut">
               <a:rPr lang="es-MX" smtClean="0"/>
-              <a:t>02/07/2023</a:t>
+              <a:t>17/07/2023</a:t>
             </a:fld>
             <a:endParaRPr lang="es-MX"/>
           </a:p>
@@ -1972,7 +1972,7 @@
           <a:p>
             <a:fld id="{ED287D94-8654-4172-83DF-E4F564B435B0}" type="datetimeFigureOut">
               <a:rPr lang="es-MX" smtClean="0"/>
-              <a:t>02/07/2023</a:t>
+              <a:t>17/07/2023</a:t>
             </a:fld>
             <a:endParaRPr lang="es-MX"/>
           </a:p>
@@ -2085,7 +2085,7 @@
           <a:p>
             <a:fld id="{ED287D94-8654-4172-83DF-E4F564B435B0}" type="datetimeFigureOut">
               <a:rPr lang="es-MX" smtClean="0"/>
-              <a:t>02/07/2023</a:t>
+              <a:t>17/07/2023</a:t>
             </a:fld>
             <a:endParaRPr lang="es-MX"/>
           </a:p>
@@ -2398,7 +2398,7 @@
           <a:p>
             <a:fld id="{ED287D94-8654-4172-83DF-E4F564B435B0}" type="datetimeFigureOut">
               <a:rPr lang="es-MX" smtClean="0"/>
-              <a:t>02/07/2023</a:t>
+              <a:t>17/07/2023</a:t>
             </a:fld>
             <a:endParaRPr lang="es-MX"/>
           </a:p>
@@ -2687,7 +2687,7 @@
           <a:p>
             <a:fld id="{ED287D94-8654-4172-83DF-E4F564B435B0}" type="datetimeFigureOut">
               <a:rPr lang="es-MX" smtClean="0"/>
-              <a:t>02/07/2023</a:t>
+              <a:t>17/07/2023</a:t>
             </a:fld>
             <a:endParaRPr lang="es-MX"/>
           </a:p>
@@ -2930,7 +2930,7 @@
           <a:p>
             <a:fld id="{ED287D94-8654-4172-83DF-E4F564B435B0}" type="datetimeFigureOut">
               <a:rPr lang="es-MX" smtClean="0"/>
-              <a:t>02/07/2023</a:t>
+              <a:t>17/07/2023</a:t>
             </a:fld>
             <a:endParaRPr lang="es-MX"/>
           </a:p>
@@ -4611,8 +4611,8 @@
         </p:nvSpPr>
         <p:spPr>
           <a:xfrm>
-            <a:off x="7277806" y="1790657"/>
-            <a:ext cx="836114" cy="276999"/>
+            <a:off x="7558163" y="4217362"/>
+            <a:ext cx="988182" cy="276999"/>
           </a:xfrm>
           <a:prstGeom prst="rect">
             <a:avLst/>
@@ -4627,7 +4627,7 @@
           <a:p>
             <a:r>
               <a:rPr lang="es-MX" sz="1200" dirty="0"/>
-              <a:t>Periférico</a:t>
+              <a:t>Asignación</a:t>
             </a:r>
           </a:p>
         </p:txBody>
@@ -5626,6 +5626,41 @@
             <a:r>
               <a:rPr lang="es-MX" sz="1200" dirty="0"/>
               <a:t>Periféricos</a:t>
+            </a:r>
+          </a:p>
+        </p:txBody>
+      </p:sp>
+      <p:sp>
+        <p:nvSpPr>
+          <p:cNvPr id="80" name="CuadroTexto 79">
+            <a:extLst>
+              <a:ext uri="{FF2B5EF4-FFF2-40B4-BE49-F238E27FC236}">
+                <a16:creationId xmlns:a16="http://schemas.microsoft.com/office/drawing/2014/main" id="{D1B313CA-3DD2-4D5C-A3FB-A40D27819AF1}"/>
+              </a:ext>
+            </a:extLst>
+          </p:cNvPr>
+          <p:cNvSpPr txBox="1"/>
+          <p:nvPr/>
+        </p:nvSpPr>
+        <p:spPr>
+          <a:xfrm>
+            <a:off x="7136010" y="1805529"/>
+            <a:ext cx="988182" cy="276999"/>
+          </a:xfrm>
+          <a:prstGeom prst="rect">
+            <a:avLst/>
+          </a:prstGeom>
+          <a:noFill/>
+        </p:spPr>
+        <p:txBody>
+          <a:bodyPr wrap="square" rtlCol="0">
+            <a:spAutoFit/>
+          </a:bodyPr>
+          <a:lstStyle/>
+          <a:p>
+            <a:r>
+              <a:rPr lang="es-MX" sz="1200" dirty="0"/>
+              <a:t>Periférico</a:t>
             </a:r>
           </a:p>
         </p:txBody>
